--- a/slides/day-21.pptx
+++ b/slides/day-21.pptx
@@ -4118,7 +4118,7 @@
           <a:p>
             <a:r>
               <a:rPr lang="en-US" dirty="0"/>
-              <a:t>Props are past to a component</a:t>
+              <a:t>Props are passed to a component</a:t>
             </a:r>
           </a:p>
           <a:p>
